--- a/PPT/oopinpyhtonupdated.pptx
+++ b/PPT/oopinpyhtonupdated.pptx
@@ -239,7 +239,7 @@
             <a:fld id="{DD02EAFE-BA01-4077-BE77-3A1674F062B7}" type="datetimeFigureOut">
               <a:rPr lang="en-US" smtClean="0"/>
               <a:pPr/>
-              <a:t>1/8/25</a:t>
+              <a:t>1/10/25</a:t>
             </a:fld>
             <a:endParaRPr lang="en-US"/>
           </a:p>
@@ -769,7 +769,7 @@
             <a:fld id="{E1C6E6CA-2B59-4B1F-B52B-AFBA35F2C873}" type="datetime1">
               <a:rPr lang="en-US" smtClean="0"/>
               <a:pPr/>
-              <a:t>1/8/25</a:t>
+              <a:t>1/10/25</a:t>
             </a:fld>
             <a:endParaRPr lang="en-US"/>
           </a:p>
@@ -938,7 +938,7 @@
             <a:fld id="{51FEF912-56B0-431E-8DC5-110235F6A8AB}" type="datetime1">
               <a:rPr lang="en-US" smtClean="0"/>
               <a:pPr/>
-              <a:t>1/8/25</a:t>
+              <a:t>1/10/25</a:t>
             </a:fld>
             <a:endParaRPr lang="en-US"/>
           </a:p>
@@ -1117,7 +1117,7 @@
             <a:fld id="{30DB1D4C-06CE-47E9-80E2-1298105F8DA2}" type="datetime1">
               <a:rPr lang="en-US" smtClean="0"/>
               <a:pPr/>
-              <a:t>1/8/25</a:t>
+              <a:t>1/10/25</a:t>
             </a:fld>
             <a:endParaRPr lang="en-US"/>
           </a:p>
@@ -1286,7 +1286,7 @@
             <a:fld id="{D9EFBD7C-8B25-45EA-A488-5D43EAFAE107}" type="datetime1">
               <a:rPr lang="en-US" smtClean="0"/>
               <a:pPr/>
-              <a:t>1/8/25</a:t>
+              <a:t>1/10/25</a:t>
             </a:fld>
             <a:endParaRPr lang="en-US"/>
           </a:p>
@@ -1532,7 +1532,7 @@
             <a:fld id="{93D9BC13-77A6-4EA3-A00C-2B4E93B51269}" type="datetime1">
               <a:rPr lang="en-US" smtClean="0"/>
               <a:pPr/>
-              <a:t>1/8/25</a:t>
+              <a:t>1/10/25</a:t>
             </a:fld>
             <a:endParaRPr lang="en-US"/>
           </a:p>
@@ -1800,7 +1800,7 @@
             <a:fld id="{AC96F4E9-08D2-41B8-8EC0-5836570DD705}" type="datetime1">
               <a:rPr lang="en-US" smtClean="0"/>
               <a:pPr/>
-              <a:t>1/8/25</a:t>
+              <a:t>1/10/25</a:t>
             </a:fld>
             <a:endParaRPr lang="en-US"/>
           </a:p>
@@ -2182,7 +2182,7 @@
             <a:fld id="{7FE0E759-2783-4B08-A586-67B447CFAE30}" type="datetime1">
               <a:rPr lang="en-US" smtClean="0"/>
               <a:pPr/>
-              <a:t>1/8/25</a:t>
+              <a:t>1/10/25</a:t>
             </a:fld>
             <a:endParaRPr lang="en-US"/>
           </a:p>
@@ -2336,7 +2336,7 @@
             <a:fld id="{4F050491-3059-4739-91E2-B6CCB38A976B}" type="datetime1">
               <a:rPr lang="en-US" smtClean="0"/>
               <a:pPr/>
-              <a:t>1/8/25</a:t>
+              <a:t>1/10/25</a:t>
             </a:fld>
             <a:endParaRPr lang="en-US"/>
           </a:p>
@@ -2431,7 +2431,7 @@
             <a:fld id="{803AB9BA-10B3-493E-8988-CE3BFAE2372E}" type="datetime1">
               <a:rPr lang="en-US" smtClean="0"/>
               <a:pPr/>
-              <a:t>1/8/25</a:t>
+              <a:t>1/10/25</a:t>
             </a:fld>
             <a:endParaRPr lang="en-US"/>
           </a:p>
@@ -2696,7 +2696,7 @@
             <a:fld id="{94117133-A4AF-4B5C-A96A-86F01A4BC2DE}" type="datetime1">
               <a:rPr lang="en-US" smtClean="0"/>
               <a:pPr/>
-              <a:t>1/8/25</a:t>
+              <a:t>1/10/25</a:t>
             </a:fld>
             <a:endParaRPr lang="en-US"/>
           </a:p>
@@ -2988,7 +2988,7 @@
             <a:fld id="{7CD72DB9-C2A9-4F73-9662-6F59346FA4AF}" type="datetime1">
               <a:rPr lang="en-US" smtClean="0"/>
               <a:pPr/>
-              <a:t>1/8/25</a:t>
+              <a:t>1/10/25</a:t>
             </a:fld>
             <a:endParaRPr lang="en-US"/>
           </a:p>
@@ -3762,7 +3762,7 @@
             <a:fld id="{84BBF03A-9E64-4A51-8EAE-959D76089488}" type="datetime1">
               <a:rPr lang="en-US" smtClean="0"/>
               <a:pPr/>
-              <a:t>1/8/25</a:t>
+              <a:t>1/10/25</a:t>
             </a:fld>
             <a:endParaRPr lang="en-US"/>
           </a:p>
@@ -5069,7 +5069,7 @@
             <a:fld id="{D9EFBD7C-8B25-45EA-A488-5D43EAFAE107}" type="datetime1">
               <a:rPr lang="en-US" smtClean="0"/>
               <a:pPr/>
-              <a:t>1/8/25</a:t>
+              <a:t>1/10/25</a:t>
             </a:fld>
             <a:endParaRPr lang="en-US"/>
           </a:p>
@@ -6067,7 +6067,7 @@
             <a:fld id="{D9EFBD7C-8B25-45EA-A488-5D43EAFAE107}" type="datetime1">
               <a:rPr lang="en-US" smtClean="0"/>
               <a:pPr/>
-              <a:t>1/8/25</a:t>
+              <a:t>1/10/25</a:t>
             </a:fld>
             <a:endParaRPr lang="en-US"/>
           </a:p>
@@ -6359,7 +6359,7 @@
             <a:fld id="{D9EFBD7C-8B25-45EA-A488-5D43EAFAE107}" type="datetime1">
               <a:rPr lang="en-US" smtClean="0"/>
               <a:pPr/>
-              <a:t>1/8/25</a:t>
+              <a:t>1/10/25</a:t>
             </a:fld>
             <a:endParaRPr lang="en-US"/>
           </a:p>
@@ -6497,7 +6497,7 @@
             <a:fld id="{D9EFBD7C-8B25-45EA-A488-5D43EAFAE107}" type="datetime1">
               <a:rPr lang="en-US" smtClean="0"/>
               <a:pPr/>
-              <a:t>1/8/25</a:t>
+              <a:t>1/10/25</a:t>
             </a:fld>
             <a:endParaRPr lang="en-US"/>
           </a:p>
@@ -7019,7 +7019,7 @@
             <a:fld id="{D9EFBD7C-8B25-45EA-A488-5D43EAFAE107}" type="datetime1">
               <a:rPr lang="en-US" smtClean="0"/>
               <a:pPr/>
-              <a:t>1/8/25</a:t>
+              <a:t>1/10/25</a:t>
             </a:fld>
             <a:endParaRPr lang="en-US"/>
           </a:p>
@@ -7221,7 +7221,7 @@
             <a:fld id="{D9EFBD7C-8B25-45EA-A488-5D43EAFAE107}" type="datetime1">
               <a:rPr lang="en-US" smtClean="0"/>
               <a:pPr/>
-              <a:t>1/8/25</a:t>
+              <a:t>1/10/25</a:t>
             </a:fld>
             <a:endParaRPr lang="en-US"/>
           </a:p>
@@ -7406,7 +7406,7 @@
             <a:fld id="{D9EFBD7C-8B25-45EA-A488-5D43EAFAE107}" type="datetime1">
               <a:rPr lang="en-US" smtClean="0"/>
               <a:pPr/>
-              <a:t>1/8/25</a:t>
+              <a:t>1/10/25</a:t>
             </a:fld>
             <a:endParaRPr lang="en-US"/>
           </a:p>
@@ -7871,7 +7871,7 @@
             <a:fld id="{D9EFBD7C-8B25-45EA-A488-5D43EAFAE107}" type="datetime1">
               <a:rPr lang="en-US" smtClean="0"/>
               <a:pPr/>
-              <a:t>1/8/25</a:t>
+              <a:t>1/10/25</a:t>
             </a:fld>
             <a:endParaRPr lang="en-US"/>
           </a:p>
@@ -8252,7 +8252,7 @@
             <a:fld id="{4F050491-3059-4739-91E2-B6CCB38A976B}" type="datetime1">
               <a:rPr lang="en-US" smtClean="0"/>
               <a:pPr/>
-              <a:t>1/8/25</a:t>
+              <a:t>1/10/25</a:t>
             </a:fld>
             <a:endParaRPr lang="en-US"/>
           </a:p>
@@ -8665,7 +8665,7 @@
             <a:fld id="{D9EFBD7C-8B25-45EA-A488-5D43EAFAE107}" type="datetime1">
               <a:rPr lang="en-US" smtClean="0"/>
               <a:pPr/>
-              <a:t>1/8/25</a:t>
+              <a:t>1/10/25</a:t>
             </a:fld>
             <a:endParaRPr lang="en-US"/>
           </a:p>
@@ -8799,7 +8799,7 @@
             <a:fld id="{D9EFBD7C-8B25-45EA-A488-5D43EAFAE107}" type="datetime1">
               <a:rPr lang="en-US" smtClean="0"/>
               <a:pPr/>
-              <a:t>1/8/25</a:t>
+              <a:t>1/10/25</a:t>
             </a:fld>
             <a:endParaRPr lang="en-US"/>
           </a:p>
@@ -9457,7 +9457,7 @@
                 </a:solidFill>
               </a:rPr>
               <a:pPr/>
-              <a:t>1/8/25</a:t>
+              <a:t>1/10/25</a:t>
             </a:fld>
             <a:endParaRPr lang="en-US">
               <a:solidFill>
@@ -9588,7 +9588,7 @@
                 </a:solidFill>
               </a:rPr>
               <a:pPr/>
-              <a:t>1/8/25</a:t>
+              <a:t>1/10/25</a:t>
             </a:fld>
             <a:endParaRPr lang="en-US">
               <a:solidFill>
@@ -9925,7 +9925,7 @@
                 </a:solidFill>
               </a:rPr>
               <a:pPr/>
-              <a:t>1/8/25</a:t>
+              <a:t>1/10/25</a:t>
             </a:fld>
             <a:endParaRPr lang="en-US">
               <a:solidFill>
@@ -10220,7 +10220,7 @@
                 </a:solidFill>
               </a:rPr>
               <a:pPr/>
-              <a:t>1/8/25</a:t>
+              <a:t>1/10/25</a:t>
             </a:fld>
             <a:endParaRPr lang="en-US">
               <a:solidFill>
@@ -10397,7 +10397,7 @@
                 </a:solidFill>
               </a:rPr>
               <a:pPr/>
-              <a:t>1/8/25</a:t>
+              <a:t>1/10/25</a:t>
             </a:fld>
             <a:endParaRPr lang="en-US">
               <a:solidFill>
@@ -11145,7 +11145,7 @@
                 </a:solidFill>
               </a:rPr>
               <a:pPr/>
-              <a:t>1/8/25</a:t>
+              <a:t>1/10/25</a:t>
             </a:fld>
             <a:endParaRPr lang="en-US">
               <a:solidFill>
@@ -11391,7 +11391,7 @@
             <a:fld id="{D9EFBD7C-8B25-45EA-A488-5D43EAFAE107}" type="datetime1">
               <a:rPr lang="en-US" smtClean="0"/>
               <a:pPr/>
-              <a:t>1/8/25</a:t>
+              <a:t>1/10/25</a:t>
             </a:fld>
             <a:endParaRPr lang="en-US"/>
           </a:p>
@@ -11676,7 +11676,7 @@
                 </a:solidFill>
               </a:rPr>
               <a:pPr/>
-              <a:t>1/8/25</a:t>
+              <a:t>1/10/25</a:t>
             </a:fld>
             <a:endParaRPr lang="en-US">
               <a:solidFill>
@@ -11929,7 +11929,7 @@
                 </a:solidFill>
               </a:rPr>
               <a:pPr/>
-              <a:t>1/8/25</a:t>
+              <a:t>1/10/25</a:t>
             </a:fld>
             <a:endParaRPr lang="en-US">
               <a:solidFill>
@@ -12481,7 +12481,7 @@
             <a:fld id="{D9EFBD7C-8B25-45EA-A488-5D43EAFAE107}" type="datetime1">
               <a:rPr lang="en-US" smtClean="0"/>
               <a:pPr/>
-              <a:t>1/8/25</a:t>
+              <a:t>1/10/25</a:t>
             </a:fld>
             <a:endParaRPr lang="en-US"/>
           </a:p>
